--- a/Othello.pptx
+++ b/Othello.pptx
@@ -114,7 +114,56 @@
       </a:defRPr>
     </a:lvl9pPr>
   </p:defaultTextStyle>
+  <p:extLst>
+    <p:ext uri="{EFAFB233-063F-42B5-8137-9DF3F51BA10A}">
+      <p15:sldGuideLst xmlns:p15="http://schemas.microsoft.com/office/powerpoint/2012/main"/>
+    </p:ext>
+  </p:extLst>
 </p:presentation>
+</file>
+
+<file path=ppt/changesInfos/changesInfo1.xml><?xml version="1.0" encoding="utf-8"?>
+<pc:chgInfo xmlns:a="http://schemas.openxmlformats.org/drawingml/2006/main" xmlns:r="http://schemas.openxmlformats.org/officeDocument/2006/relationships" xmlns:ac="http://schemas.microsoft.com/office/drawing/2013/main/command" xmlns:pc="http://schemas.microsoft.com/office/powerpoint/2013/main/command">
+  <pc:docChgLst>
+    <pc:chgData name="ugo colosetti" userId="c10a1adac9a000ff" providerId="LiveId" clId="{C1A05BDC-3516-4ABC-90A9-E4D2C12B5B15}"/>
+    <pc:docChg chg="custSel modSld">
+      <pc:chgData name="ugo colosetti" userId="c10a1adac9a000ff" providerId="LiveId" clId="{C1A05BDC-3516-4ABC-90A9-E4D2C12B5B15}" dt="2023-01-04T15:35:41.986" v="248" actId="20577"/>
+      <pc:docMkLst>
+        <pc:docMk/>
+      </pc:docMkLst>
+      <pc:sldChg chg="modSp mod">
+        <pc:chgData name="ugo colosetti" userId="c10a1adac9a000ff" providerId="LiveId" clId="{C1A05BDC-3516-4ABC-90A9-E4D2C12B5B15}" dt="2023-01-04T15:34:25.382" v="38" actId="20577"/>
+        <pc:sldMkLst>
+          <pc:docMk/>
+          <pc:sldMk cId="3397424010" sldId="263"/>
+        </pc:sldMkLst>
+        <pc:spChg chg="mod">
+          <ac:chgData name="ugo colosetti" userId="c10a1adac9a000ff" providerId="LiveId" clId="{C1A05BDC-3516-4ABC-90A9-E4D2C12B5B15}" dt="2023-01-04T15:34:25.382" v="38" actId="20577"/>
+          <ac:spMkLst>
+            <pc:docMk/>
+            <pc:sldMk cId="3397424010" sldId="263"/>
+            <ac:spMk id="3" creationId="{5950C0B1-2167-5513-4BFB-B28ECAB3AEBE}"/>
+          </ac:spMkLst>
+        </pc:spChg>
+      </pc:sldChg>
+      <pc:sldChg chg="modSp mod">
+        <pc:chgData name="ugo colosetti" userId="c10a1adac9a000ff" providerId="LiveId" clId="{C1A05BDC-3516-4ABC-90A9-E4D2C12B5B15}" dt="2023-01-04T15:35:41.986" v="248" actId="20577"/>
+        <pc:sldMkLst>
+          <pc:docMk/>
+          <pc:sldMk cId="2367961332" sldId="264"/>
+        </pc:sldMkLst>
+        <pc:spChg chg="mod">
+          <ac:chgData name="ugo colosetti" userId="c10a1adac9a000ff" providerId="LiveId" clId="{C1A05BDC-3516-4ABC-90A9-E4D2C12B5B15}" dt="2023-01-04T15:35:41.986" v="248" actId="20577"/>
+          <ac:spMkLst>
+            <pc:docMk/>
+            <pc:sldMk cId="2367961332" sldId="264"/>
+            <ac:spMk id="3" creationId="{713C3BAC-A369-BF87-8C77-EEFA1AF6EC85}"/>
+          </ac:spMkLst>
+        </pc:spChg>
+      </pc:sldChg>
+    </pc:docChg>
+  </pc:docChgLst>
+</pc:chgInfo>
 </file>
 
 <file path=ppt/slideLayouts/slideLayout1.xml><?xml version="1.0" encoding="utf-8"?>
@@ -3662,7 +3711,7 @@
           </a:ln>
           <a:extLst>
             <a:ext uri="{91240B29-F687-4f45-9708-019B960494DF}">
-              <a14:hiddenLine xmlns="" xmlns:p14="http://schemas.microsoft.com/office/powerpoint/2010/main" xmlns:a14="http://schemas.microsoft.com/office/drawing/2010/main" xmlns:a16="http://schemas.microsoft.com/office/drawing/2014/main" w="9525">
+              <a14:hiddenLine xmlns:a16="http://schemas.microsoft.com/office/drawing/2014/main" xmlns:a14="http://schemas.microsoft.com/office/drawing/2010/main" xmlns:p14="http://schemas.microsoft.com/office/powerpoint/2010/main" xmlns="" w="9525">
                 <a:solidFill>
                   <a:srgbClr val="000000"/>
                 </a:solidFill>
@@ -4454,7 +4503,31 @@
           <a:bodyPr/>
           <a:lstStyle/>
           <a:p>
-            <a:endParaRPr lang="fr-FR"/>
+            <a:r>
+              <a:rPr lang="fr-FR" dirty="0"/>
+              <a:t>IA </a:t>
+            </a:r>
+          </a:p>
+          <a:p>
+            <a:r>
+              <a:rPr lang="fr-FR" dirty="0"/>
+              <a:t>MIN MAX </a:t>
+            </a:r>
+          </a:p>
+          <a:p>
+            <a:r>
+              <a:rPr lang="fr-FR" dirty="0"/>
+              <a:t>BOARD</a:t>
+            </a:r>
+          </a:p>
+          <a:p>
+            <a:r>
+              <a:rPr lang="fr-FR" dirty="0"/>
+              <a:t>WIN OR LOOSE </a:t>
+            </a:r>
+          </a:p>
+          <a:p>
+            <a:endParaRPr lang="fr-FR" dirty="0"/>
           </a:p>
         </p:txBody>
       </p:sp>
@@ -4537,7 +4610,36 @@
           <a:bodyPr/>
           <a:lstStyle/>
           <a:p>
-            <a:endParaRPr lang="fr-FR"/>
+            <a:r>
+              <a:rPr lang="fr-FR" dirty="0"/>
+              <a:t>Il n’y a pas vraiment eu de répartitions de taches, chacun faisait ce </a:t>
+            </a:r>
+            <a:r>
+              <a:rPr lang="fr-FR" dirty="0" err="1"/>
+              <a:t>qu</a:t>
+            </a:r>
+            <a:r>
+              <a:rPr lang="fr-FR" dirty="0"/>
+              <a:t> il voulait, la partit qui l’intéressait le plus. Mais voici ce que chaque personne a fait</a:t>
+            </a:r>
+          </a:p>
+          <a:p>
+            <a:endParaRPr lang="fr-FR" dirty="0"/>
+          </a:p>
+          <a:p>
+            <a:r>
+              <a:rPr lang="fr-FR" dirty="0"/>
+              <a:t>RAPHAEL =</a:t>
+            </a:r>
+          </a:p>
+          <a:p>
+            <a:endParaRPr lang="fr-FR" dirty="0"/>
+          </a:p>
+          <a:p>
+            <a:r>
+              <a:rPr lang="fr-FR" dirty="0"/>
+              <a:t>UGO = </a:t>
+            </a:r>
           </a:p>
         </p:txBody>
       </p:sp>
